--- a/AI-ML-Course-Induction-and-General/AIML_Level1_notes/AI_definitions_and_reasons.pptx
+++ b/AI-ML-Course-Induction-and-General/AIML_Level1_notes/AI_definitions_and_reasons.pptx
@@ -119,7 +119,7 @@
   </p:defaultTextStyle>
   <p:extLst>
     <p:ext uri="{EFAFB233-063F-42B5-8137-9DF3F51BA10A}">
-      <p15:sldGuideLst xmlns:p15="http://schemas.microsoft.com/office/powerpoint/2012/main" xmlns=""/>
+      <p15:sldGuideLst xmlns="" xmlns:p15="http://schemas.microsoft.com/office/powerpoint/2012/main"/>
     </p:ext>
   </p:extLst>
 </p:presentation>
@@ -147,7 +147,7 @@
           <p:cNvPr id="2" name="Title 1">
             <a:extLst>
               <a:ext uri="{FF2B5EF4-FFF2-40B4-BE49-F238E27FC236}">
-                <a16:creationId xmlns:a16="http://schemas.microsoft.com/office/drawing/2014/main" xmlns="" id="{38F75D1F-07AF-FE40-8E2F-D06744B811BC}"/>
+                <a16:creationId xmlns="" xmlns:a16="http://schemas.microsoft.com/office/drawing/2014/main" id="{38F75D1F-07AF-FE40-8E2F-D06744B811BC}"/>
               </a:ext>
             </a:extLst>
           </p:cNvPr>
@@ -185,7 +185,7 @@
           <p:cNvPr id="3" name="Subtitle 2">
             <a:extLst>
               <a:ext uri="{FF2B5EF4-FFF2-40B4-BE49-F238E27FC236}">
-                <a16:creationId xmlns:a16="http://schemas.microsoft.com/office/drawing/2014/main" xmlns="" id="{40FBE621-E201-624D-BA4F-4E77053660CB}"/>
+                <a16:creationId xmlns="" xmlns:a16="http://schemas.microsoft.com/office/drawing/2014/main" id="{40FBE621-E201-624D-BA4F-4E77053660CB}"/>
               </a:ext>
             </a:extLst>
           </p:cNvPr>
@@ -256,7 +256,7 @@
           <p:cNvPr id="4" name="Date Placeholder 3">
             <a:extLst>
               <a:ext uri="{FF2B5EF4-FFF2-40B4-BE49-F238E27FC236}">
-                <a16:creationId xmlns:a16="http://schemas.microsoft.com/office/drawing/2014/main" xmlns="" id="{1FC97DC4-DBF9-7548-AA44-4D9144438F87}"/>
+                <a16:creationId xmlns="" xmlns:a16="http://schemas.microsoft.com/office/drawing/2014/main" id="{1FC97DC4-DBF9-7548-AA44-4D9144438F87}"/>
               </a:ext>
             </a:extLst>
           </p:cNvPr>
@@ -286,7 +286,7 @@
           <p:cNvPr id="5" name="Footer Placeholder 4">
             <a:extLst>
               <a:ext uri="{FF2B5EF4-FFF2-40B4-BE49-F238E27FC236}">
-                <a16:creationId xmlns:a16="http://schemas.microsoft.com/office/drawing/2014/main" xmlns="" id="{207FE797-BB77-9046-AFCE-BEB0B8BBC43B}"/>
+                <a16:creationId xmlns="" xmlns:a16="http://schemas.microsoft.com/office/drawing/2014/main" id="{207FE797-BB77-9046-AFCE-BEB0B8BBC43B}"/>
               </a:ext>
             </a:extLst>
           </p:cNvPr>
@@ -311,7 +311,7 @@
           <p:cNvPr id="6" name="Slide Number Placeholder 5">
             <a:extLst>
               <a:ext uri="{FF2B5EF4-FFF2-40B4-BE49-F238E27FC236}">
-                <a16:creationId xmlns:a16="http://schemas.microsoft.com/office/drawing/2014/main" xmlns="" id="{87E00EF2-C626-424B-95FD-C46090CE71A4}"/>
+                <a16:creationId xmlns="" xmlns:a16="http://schemas.microsoft.com/office/drawing/2014/main" id="{87E00EF2-C626-424B-95FD-C46090CE71A4}"/>
               </a:ext>
             </a:extLst>
           </p:cNvPr>
@@ -339,7 +339,7 @@
     </p:spTree>
     <p:extLst>
       <p:ext uri="{BB962C8B-B14F-4D97-AF65-F5344CB8AC3E}">
-        <p14:creationId xmlns:p14="http://schemas.microsoft.com/office/powerpoint/2010/main" xmlns="" val="808326203"/>
+        <p14:creationId xmlns="" xmlns:p14="http://schemas.microsoft.com/office/powerpoint/2010/main" val="808326203"/>
       </p:ext>
     </p:extLst>
   </p:cSld>
@@ -371,7 +371,7 @@
           <p:cNvPr id="2" name="Title 1">
             <a:extLst>
               <a:ext uri="{FF2B5EF4-FFF2-40B4-BE49-F238E27FC236}">
-                <a16:creationId xmlns:a16="http://schemas.microsoft.com/office/drawing/2014/main" xmlns="" id="{BF36D5F8-4B0A-F84C-ACCC-ADCE1D45759B}"/>
+                <a16:creationId xmlns="" xmlns:a16="http://schemas.microsoft.com/office/drawing/2014/main" id="{BF36D5F8-4B0A-F84C-ACCC-ADCE1D45759B}"/>
               </a:ext>
             </a:extLst>
           </p:cNvPr>
@@ -400,7 +400,7 @@
           <p:cNvPr id="3" name="Vertical Text Placeholder 2">
             <a:extLst>
               <a:ext uri="{FF2B5EF4-FFF2-40B4-BE49-F238E27FC236}">
-                <a16:creationId xmlns:a16="http://schemas.microsoft.com/office/drawing/2014/main" xmlns="" id="{55F052E4-415D-8746-9D0E-BA712F340EA6}"/>
+                <a16:creationId xmlns="" xmlns:a16="http://schemas.microsoft.com/office/drawing/2014/main" id="{55F052E4-415D-8746-9D0E-BA712F340EA6}"/>
               </a:ext>
             </a:extLst>
           </p:cNvPr>
@@ -458,7 +458,7 @@
           <p:cNvPr id="4" name="Date Placeholder 3">
             <a:extLst>
               <a:ext uri="{FF2B5EF4-FFF2-40B4-BE49-F238E27FC236}">
-                <a16:creationId xmlns:a16="http://schemas.microsoft.com/office/drawing/2014/main" xmlns="" id="{EA486317-8CBA-5B46-9AFE-1EEF004C6D29}"/>
+                <a16:creationId xmlns="" xmlns:a16="http://schemas.microsoft.com/office/drawing/2014/main" id="{EA486317-8CBA-5B46-9AFE-1EEF004C6D29}"/>
               </a:ext>
             </a:extLst>
           </p:cNvPr>
@@ -488,7 +488,7 @@
           <p:cNvPr id="5" name="Footer Placeholder 4">
             <a:extLst>
               <a:ext uri="{FF2B5EF4-FFF2-40B4-BE49-F238E27FC236}">
-                <a16:creationId xmlns:a16="http://schemas.microsoft.com/office/drawing/2014/main" xmlns="" id="{3A177D16-B7B2-5C4F-A259-85B93E746EE1}"/>
+                <a16:creationId xmlns="" xmlns:a16="http://schemas.microsoft.com/office/drawing/2014/main" id="{3A177D16-B7B2-5C4F-A259-85B93E746EE1}"/>
               </a:ext>
             </a:extLst>
           </p:cNvPr>
@@ -513,7 +513,7 @@
           <p:cNvPr id="6" name="Slide Number Placeholder 5">
             <a:extLst>
               <a:ext uri="{FF2B5EF4-FFF2-40B4-BE49-F238E27FC236}">
-                <a16:creationId xmlns:a16="http://schemas.microsoft.com/office/drawing/2014/main" xmlns="" id="{3FBA16E7-2170-2A48-B02C-AB2AD6C547C3}"/>
+                <a16:creationId xmlns="" xmlns:a16="http://schemas.microsoft.com/office/drawing/2014/main" id="{3FBA16E7-2170-2A48-B02C-AB2AD6C547C3}"/>
               </a:ext>
             </a:extLst>
           </p:cNvPr>
@@ -541,7 +541,7 @@
     </p:spTree>
     <p:extLst>
       <p:ext uri="{BB962C8B-B14F-4D97-AF65-F5344CB8AC3E}">
-        <p14:creationId xmlns:p14="http://schemas.microsoft.com/office/powerpoint/2010/main" xmlns="" val="827765012"/>
+        <p14:creationId xmlns="" xmlns:p14="http://schemas.microsoft.com/office/powerpoint/2010/main" val="827765012"/>
       </p:ext>
     </p:extLst>
   </p:cSld>
@@ -573,7 +573,7 @@
           <p:cNvPr id="2" name="Vertical Title 1">
             <a:extLst>
               <a:ext uri="{FF2B5EF4-FFF2-40B4-BE49-F238E27FC236}">
-                <a16:creationId xmlns:a16="http://schemas.microsoft.com/office/drawing/2014/main" xmlns="" id="{FF79CC69-0418-AD45-B15E-50DAFF41CFF4}"/>
+                <a16:creationId xmlns="" xmlns:a16="http://schemas.microsoft.com/office/drawing/2014/main" id="{FF79CC69-0418-AD45-B15E-50DAFF41CFF4}"/>
               </a:ext>
             </a:extLst>
           </p:cNvPr>
@@ -607,7 +607,7 @@
           <p:cNvPr id="3" name="Vertical Text Placeholder 2">
             <a:extLst>
               <a:ext uri="{FF2B5EF4-FFF2-40B4-BE49-F238E27FC236}">
-                <a16:creationId xmlns:a16="http://schemas.microsoft.com/office/drawing/2014/main" xmlns="" id="{5BE02D86-2E4B-FC4B-9994-F986624FA8F4}"/>
+                <a16:creationId xmlns="" xmlns:a16="http://schemas.microsoft.com/office/drawing/2014/main" id="{5BE02D86-2E4B-FC4B-9994-F986624FA8F4}"/>
               </a:ext>
             </a:extLst>
           </p:cNvPr>
@@ -670,7 +670,7 @@
           <p:cNvPr id="4" name="Date Placeholder 3">
             <a:extLst>
               <a:ext uri="{FF2B5EF4-FFF2-40B4-BE49-F238E27FC236}">
-                <a16:creationId xmlns:a16="http://schemas.microsoft.com/office/drawing/2014/main" xmlns="" id="{BD2D4BFE-1B15-A245-9F37-C00A76DE2B6E}"/>
+                <a16:creationId xmlns="" xmlns:a16="http://schemas.microsoft.com/office/drawing/2014/main" id="{BD2D4BFE-1B15-A245-9F37-C00A76DE2B6E}"/>
               </a:ext>
             </a:extLst>
           </p:cNvPr>
@@ -700,7 +700,7 @@
           <p:cNvPr id="5" name="Footer Placeholder 4">
             <a:extLst>
               <a:ext uri="{FF2B5EF4-FFF2-40B4-BE49-F238E27FC236}">
-                <a16:creationId xmlns:a16="http://schemas.microsoft.com/office/drawing/2014/main" xmlns="" id="{0ABA44D0-66FB-A64A-B6DF-00994BD0324E}"/>
+                <a16:creationId xmlns="" xmlns:a16="http://schemas.microsoft.com/office/drawing/2014/main" id="{0ABA44D0-66FB-A64A-B6DF-00994BD0324E}"/>
               </a:ext>
             </a:extLst>
           </p:cNvPr>
@@ -725,7 +725,7 @@
           <p:cNvPr id="6" name="Slide Number Placeholder 5">
             <a:extLst>
               <a:ext uri="{FF2B5EF4-FFF2-40B4-BE49-F238E27FC236}">
-                <a16:creationId xmlns:a16="http://schemas.microsoft.com/office/drawing/2014/main" xmlns="" id="{80C8B3B9-107C-404E-9B6E-341500A0F9B4}"/>
+                <a16:creationId xmlns="" xmlns:a16="http://schemas.microsoft.com/office/drawing/2014/main" id="{80C8B3B9-107C-404E-9B6E-341500A0F9B4}"/>
               </a:ext>
             </a:extLst>
           </p:cNvPr>
@@ -753,7 +753,7 @@
     </p:spTree>
     <p:extLst>
       <p:ext uri="{BB962C8B-B14F-4D97-AF65-F5344CB8AC3E}">
-        <p14:creationId xmlns:p14="http://schemas.microsoft.com/office/powerpoint/2010/main" xmlns="" val="2818725086"/>
+        <p14:creationId xmlns="" xmlns:p14="http://schemas.microsoft.com/office/powerpoint/2010/main" val="2818725086"/>
       </p:ext>
     </p:extLst>
   </p:cSld>
@@ -785,7 +785,7 @@
           <p:cNvPr id="2" name="Title 1">
             <a:extLst>
               <a:ext uri="{FF2B5EF4-FFF2-40B4-BE49-F238E27FC236}">
-                <a16:creationId xmlns:a16="http://schemas.microsoft.com/office/drawing/2014/main" xmlns="" id="{D69DAD6C-4AE2-4246-8EA4-1053FC63C144}"/>
+                <a16:creationId xmlns="" xmlns:a16="http://schemas.microsoft.com/office/drawing/2014/main" id="{D69DAD6C-4AE2-4246-8EA4-1053FC63C144}"/>
               </a:ext>
             </a:extLst>
           </p:cNvPr>
@@ -814,7 +814,7 @@
           <p:cNvPr id="3" name="Content Placeholder 2">
             <a:extLst>
               <a:ext uri="{FF2B5EF4-FFF2-40B4-BE49-F238E27FC236}">
-                <a16:creationId xmlns:a16="http://schemas.microsoft.com/office/drawing/2014/main" xmlns="" id="{FF0C3086-2AF0-2B40-830E-421378EF0D9E}"/>
+                <a16:creationId xmlns="" xmlns:a16="http://schemas.microsoft.com/office/drawing/2014/main" id="{FF0C3086-2AF0-2B40-830E-421378EF0D9E}"/>
               </a:ext>
             </a:extLst>
           </p:cNvPr>
@@ -872,7 +872,7 @@
           <p:cNvPr id="4" name="Date Placeholder 3">
             <a:extLst>
               <a:ext uri="{FF2B5EF4-FFF2-40B4-BE49-F238E27FC236}">
-                <a16:creationId xmlns:a16="http://schemas.microsoft.com/office/drawing/2014/main" xmlns="" id="{7BA337F7-3F17-FD48-BFD2-01DAD3F22400}"/>
+                <a16:creationId xmlns="" xmlns:a16="http://schemas.microsoft.com/office/drawing/2014/main" id="{7BA337F7-3F17-FD48-BFD2-01DAD3F22400}"/>
               </a:ext>
             </a:extLst>
           </p:cNvPr>
@@ -902,7 +902,7 @@
           <p:cNvPr id="5" name="Footer Placeholder 4">
             <a:extLst>
               <a:ext uri="{FF2B5EF4-FFF2-40B4-BE49-F238E27FC236}">
-                <a16:creationId xmlns:a16="http://schemas.microsoft.com/office/drawing/2014/main" xmlns="" id="{996B285A-2908-854D-95DD-4085A00630D6}"/>
+                <a16:creationId xmlns="" xmlns:a16="http://schemas.microsoft.com/office/drawing/2014/main" id="{996B285A-2908-854D-95DD-4085A00630D6}"/>
               </a:ext>
             </a:extLst>
           </p:cNvPr>
@@ -927,7 +927,7 @@
           <p:cNvPr id="6" name="Slide Number Placeholder 5">
             <a:extLst>
               <a:ext uri="{FF2B5EF4-FFF2-40B4-BE49-F238E27FC236}">
-                <a16:creationId xmlns:a16="http://schemas.microsoft.com/office/drawing/2014/main" xmlns="" id="{9D3E7CEF-5773-3740-9E91-50EB08D6DD8E}"/>
+                <a16:creationId xmlns="" xmlns:a16="http://schemas.microsoft.com/office/drawing/2014/main" id="{9D3E7CEF-5773-3740-9E91-50EB08D6DD8E}"/>
               </a:ext>
             </a:extLst>
           </p:cNvPr>
@@ -955,7 +955,7 @@
     </p:spTree>
     <p:extLst>
       <p:ext uri="{BB962C8B-B14F-4D97-AF65-F5344CB8AC3E}">
-        <p14:creationId xmlns:p14="http://schemas.microsoft.com/office/powerpoint/2010/main" xmlns="" val="2749676414"/>
+        <p14:creationId xmlns="" xmlns:p14="http://schemas.microsoft.com/office/powerpoint/2010/main" val="2749676414"/>
       </p:ext>
     </p:extLst>
   </p:cSld>
@@ -987,7 +987,7 @@
           <p:cNvPr id="2" name="Title 1">
             <a:extLst>
               <a:ext uri="{FF2B5EF4-FFF2-40B4-BE49-F238E27FC236}">
-                <a16:creationId xmlns:a16="http://schemas.microsoft.com/office/drawing/2014/main" xmlns="" id="{D244B612-B16D-E54B-851B-9E37337D44DA}"/>
+                <a16:creationId xmlns="" xmlns:a16="http://schemas.microsoft.com/office/drawing/2014/main" id="{D244B612-B16D-E54B-851B-9E37337D44DA}"/>
               </a:ext>
             </a:extLst>
           </p:cNvPr>
@@ -1025,7 +1025,7 @@
           <p:cNvPr id="3" name="Text Placeholder 2">
             <a:extLst>
               <a:ext uri="{FF2B5EF4-FFF2-40B4-BE49-F238E27FC236}">
-                <a16:creationId xmlns:a16="http://schemas.microsoft.com/office/drawing/2014/main" xmlns="" id="{73021DFA-18F1-9C4C-9EE8-F1CD8AD1EBA2}"/>
+                <a16:creationId xmlns="" xmlns:a16="http://schemas.microsoft.com/office/drawing/2014/main" id="{73021DFA-18F1-9C4C-9EE8-F1CD8AD1EBA2}"/>
               </a:ext>
             </a:extLst>
           </p:cNvPr>
@@ -1150,7 +1150,7 @@
           <p:cNvPr id="4" name="Date Placeholder 3">
             <a:extLst>
               <a:ext uri="{FF2B5EF4-FFF2-40B4-BE49-F238E27FC236}">
-                <a16:creationId xmlns:a16="http://schemas.microsoft.com/office/drawing/2014/main" xmlns="" id="{D5EA77DD-1AFA-7245-BC95-101640444177}"/>
+                <a16:creationId xmlns="" xmlns:a16="http://schemas.microsoft.com/office/drawing/2014/main" id="{D5EA77DD-1AFA-7245-BC95-101640444177}"/>
               </a:ext>
             </a:extLst>
           </p:cNvPr>
@@ -1180,7 +1180,7 @@
           <p:cNvPr id="5" name="Footer Placeholder 4">
             <a:extLst>
               <a:ext uri="{FF2B5EF4-FFF2-40B4-BE49-F238E27FC236}">
-                <a16:creationId xmlns:a16="http://schemas.microsoft.com/office/drawing/2014/main" xmlns="" id="{A121E08E-FE10-684D-BAAB-2B7D9C82437C}"/>
+                <a16:creationId xmlns="" xmlns:a16="http://schemas.microsoft.com/office/drawing/2014/main" id="{A121E08E-FE10-684D-BAAB-2B7D9C82437C}"/>
               </a:ext>
             </a:extLst>
           </p:cNvPr>
@@ -1205,7 +1205,7 @@
           <p:cNvPr id="6" name="Slide Number Placeholder 5">
             <a:extLst>
               <a:ext uri="{FF2B5EF4-FFF2-40B4-BE49-F238E27FC236}">
-                <a16:creationId xmlns:a16="http://schemas.microsoft.com/office/drawing/2014/main" xmlns="" id="{9A202EE0-A936-E54C-9067-A3566D2CB09C}"/>
+                <a16:creationId xmlns="" xmlns:a16="http://schemas.microsoft.com/office/drawing/2014/main" id="{9A202EE0-A936-E54C-9067-A3566D2CB09C}"/>
               </a:ext>
             </a:extLst>
           </p:cNvPr>
@@ -1233,7 +1233,7 @@
     </p:spTree>
     <p:extLst>
       <p:ext uri="{BB962C8B-B14F-4D97-AF65-F5344CB8AC3E}">
-        <p14:creationId xmlns:p14="http://schemas.microsoft.com/office/powerpoint/2010/main" xmlns="" val="1322267786"/>
+        <p14:creationId xmlns="" xmlns:p14="http://schemas.microsoft.com/office/powerpoint/2010/main" val="1322267786"/>
       </p:ext>
     </p:extLst>
   </p:cSld>
@@ -1265,7 +1265,7 @@
           <p:cNvPr id="2" name="Title 1">
             <a:extLst>
               <a:ext uri="{FF2B5EF4-FFF2-40B4-BE49-F238E27FC236}">
-                <a16:creationId xmlns:a16="http://schemas.microsoft.com/office/drawing/2014/main" xmlns="" id="{95CC2964-9CF4-F643-BA1F-21D99D100736}"/>
+                <a16:creationId xmlns="" xmlns:a16="http://schemas.microsoft.com/office/drawing/2014/main" id="{95CC2964-9CF4-F643-BA1F-21D99D100736}"/>
               </a:ext>
             </a:extLst>
           </p:cNvPr>
@@ -1294,7 +1294,7 @@
           <p:cNvPr id="3" name="Content Placeholder 2">
             <a:extLst>
               <a:ext uri="{FF2B5EF4-FFF2-40B4-BE49-F238E27FC236}">
-                <a16:creationId xmlns:a16="http://schemas.microsoft.com/office/drawing/2014/main" xmlns="" id="{B1678B11-809D-E741-9EEF-ECA2ABB9F7BF}"/>
+                <a16:creationId xmlns="" xmlns:a16="http://schemas.microsoft.com/office/drawing/2014/main" id="{B1678B11-809D-E741-9EEF-ECA2ABB9F7BF}"/>
               </a:ext>
             </a:extLst>
           </p:cNvPr>
@@ -1357,7 +1357,7 @@
           <p:cNvPr id="4" name="Content Placeholder 3">
             <a:extLst>
               <a:ext uri="{FF2B5EF4-FFF2-40B4-BE49-F238E27FC236}">
-                <a16:creationId xmlns:a16="http://schemas.microsoft.com/office/drawing/2014/main" xmlns="" id="{B3BC7E4B-1C07-6F4E-8BBB-E9864356DAE2}"/>
+                <a16:creationId xmlns="" xmlns:a16="http://schemas.microsoft.com/office/drawing/2014/main" id="{B3BC7E4B-1C07-6F4E-8BBB-E9864356DAE2}"/>
               </a:ext>
             </a:extLst>
           </p:cNvPr>
@@ -1420,7 +1420,7 @@
           <p:cNvPr id="5" name="Date Placeholder 4">
             <a:extLst>
               <a:ext uri="{FF2B5EF4-FFF2-40B4-BE49-F238E27FC236}">
-                <a16:creationId xmlns:a16="http://schemas.microsoft.com/office/drawing/2014/main" xmlns="" id="{B72EF977-6918-E64D-ABAE-4E4A2FF5E5CA}"/>
+                <a16:creationId xmlns="" xmlns:a16="http://schemas.microsoft.com/office/drawing/2014/main" id="{B72EF977-6918-E64D-ABAE-4E4A2FF5E5CA}"/>
               </a:ext>
             </a:extLst>
           </p:cNvPr>
@@ -1450,7 +1450,7 @@
           <p:cNvPr id="6" name="Footer Placeholder 5">
             <a:extLst>
               <a:ext uri="{FF2B5EF4-FFF2-40B4-BE49-F238E27FC236}">
-                <a16:creationId xmlns:a16="http://schemas.microsoft.com/office/drawing/2014/main" xmlns="" id="{3B4E7DA4-C4DA-F947-9160-B500C3F625D5}"/>
+                <a16:creationId xmlns="" xmlns:a16="http://schemas.microsoft.com/office/drawing/2014/main" id="{3B4E7DA4-C4DA-F947-9160-B500C3F625D5}"/>
               </a:ext>
             </a:extLst>
           </p:cNvPr>
@@ -1475,7 +1475,7 @@
           <p:cNvPr id="7" name="Slide Number Placeholder 6">
             <a:extLst>
               <a:ext uri="{FF2B5EF4-FFF2-40B4-BE49-F238E27FC236}">
-                <a16:creationId xmlns:a16="http://schemas.microsoft.com/office/drawing/2014/main" xmlns="" id="{D7C6C9B0-E142-8A48-8309-F9EA6EF474B7}"/>
+                <a16:creationId xmlns="" xmlns:a16="http://schemas.microsoft.com/office/drawing/2014/main" id="{D7C6C9B0-E142-8A48-8309-F9EA6EF474B7}"/>
               </a:ext>
             </a:extLst>
           </p:cNvPr>
@@ -1503,7 +1503,7 @@
     </p:spTree>
     <p:extLst>
       <p:ext uri="{BB962C8B-B14F-4D97-AF65-F5344CB8AC3E}">
-        <p14:creationId xmlns:p14="http://schemas.microsoft.com/office/powerpoint/2010/main" xmlns="" val="2476308653"/>
+        <p14:creationId xmlns="" xmlns:p14="http://schemas.microsoft.com/office/powerpoint/2010/main" val="2476308653"/>
       </p:ext>
     </p:extLst>
   </p:cSld>
@@ -1535,7 +1535,7 @@
           <p:cNvPr id="2" name="Title 1">
             <a:extLst>
               <a:ext uri="{FF2B5EF4-FFF2-40B4-BE49-F238E27FC236}">
-                <a16:creationId xmlns:a16="http://schemas.microsoft.com/office/drawing/2014/main" xmlns="" id="{36600299-8EFC-6848-B7BC-AC62FD21896B}"/>
+                <a16:creationId xmlns="" xmlns:a16="http://schemas.microsoft.com/office/drawing/2014/main" id="{36600299-8EFC-6848-B7BC-AC62FD21896B}"/>
               </a:ext>
             </a:extLst>
           </p:cNvPr>
@@ -1569,7 +1569,7 @@
           <p:cNvPr id="3" name="Text Placeholder 2">
             <a:extLst>
               <a:ext uri="{FF2B5EF4-FFF2-40B4-BE49-F238E27FC236}">
-                <a16:creationId xmlns:a16="http://schemas.microsoft.com/office/drawing/2014/main" xmlns="" id="{573650F4-A967-BB4D-B0B8-8E9237C6F385}"/>
+                <a16:creationId xmlns="" xmlns:a16="http://schemas.microsoft.com/office/drawing/2014/main" id="{573650F4-A967-BB4D-B0B8-8E9237C6F385}"/>
               </a:ext>
             </a:extLst>
           </p:cNvPr>
@@ -1640,7 +1640,7 @@
           <p:cNvPr id="4" name="Content Placeholder 3">
             <a:extLst>
               <a:ext uri="{FF2B5EF4-FFF2-40B4-BE49-F238E27FC236}">
-                <a16:creationId xmlns:a16="http://schemas.microsoft.com/office/drawing/2014/main" xmlns="" id="{53EA3E37-2D10-9C4E-B74B-5F53F1E64737}"/>
+                <a16:creationId xmlns="" xmlns:a16="http://schemas.microsoft.com/office/drawing/2014/main" id="{53EA3E37-2D10-9C4E-B74B-5F53F1E64737}"/>
               </a:ext>
             </a:extLst>
           </p:cNvPr>
@@ -1703,7 +1703,7 @@
           <p:cNvPr id="5" name="Text Placeholder 4">
             <a:extLst>
               <a:ext uri="{FF2B5EF4-FFF2-40B4-BE49-F238E27FC236}">
-                <a16:creationId xmlns:a16="http://schemas.microsoft.com/office/drawing/2014/main" xmlns="" id="{1E4BEB54-B49C-4747-B626-2FA194D66E6B}"/>
+                <a16:creationId xmlns="" xmlns:a16="http://schemas.microsoft.com/office/drawing/2014/main" id="{1E4BEB54-B49C-4747-B626-2FA194D66E6B}"/>
               </a:ext>
             </a:extLst>
           </p:cNvPr>
@@ -1774,7 +1774,7 @@
           <p:cNvPr id="6" name="Content Placeholder 5">
             <a:extLst>
               <a:ext uri="{FF2B5EF4-FFF2-40B4-BE49-F238E27FC236}">
-                <a16:creationId xmlns:a16="http://schemas.microsoft.com/office/drawing/2014/main" xmlns="" id="{26414C55-F6AB-8F47-BF34-86E71656C165}"/>
+                <a16:creationId xmlns="" xmlns:a16="http://schemas.microsoft.com/office/drawing/2014/main" id="{26414C55-F6AB-8F47-BF34-86E71656C165}"/>
               </a:ext>
             </a:extLst>
           </p:cNvPr>
@@ -1837,7 +1837,7 @@
           <p:cNvPr id="7" name="Date Placeholder 6">
             <a:extLst>
               <a:ext uri="{FF2B5EF4-FFF2-40B4-BE49-F238E27FC236}">
-                <a16:creationId xmlns:a16="http://schemas.microsoft.com/office/drawing/2014/main" xmlns="" id="{991443FC-02BE-B443-B56B-9CBC4BB99E5F}"/>
+                <a16:creationId xmlns="" xmlns:a16="http://schemas.microsoft.com/office/drawing/2014/main" id="{991443FC-02BE-B443-B56B-9CBC4BB99E5F}"/>
               </a:ext>
             </a:extLst>
           </p:cNvPr>
@@ -1867,7 +1867,7 @@
           <p:cNvPr id="8" name="Footer Placeholder 7">
             <a:extLst>
               <a:ext uri="{FF2B5EF4-FFF2-40B4-BE49-F238E27FC236}">
-                <a16:creationId xmlns:a16="http://schemas.microsoft.com/office/drawing/2014/main" xmlns="" id="{47D7EC91-F13E-BC40-B5CA-30C3DA5E74A8}"/>
+                <a16:creationId xmlns="" xmlns:a16="http://schemas.microsoft.com/office/drawing/2014/main" id="{47D7EC91-F13E-BC40-B5CA-30C3DA5E74A8}"/>
               </a:ext>
             </a:extLst>
           </p:cNvPr>
@@ -1892,7 +1892,7 @@
           <p:cNvPr id="9" name="Slide Number Placeholder 8">
             <a:extLst>
               <a:ext uri="{FF2B5EF4-FFF2-40B4-BE49-F238E27FC236}">
-                <a16:creationId xmlns:a16="http://schemas.microsoft.com/office/drawing/2014/main" xmlns="" id="{7E31C96E-B72D-144D-BA1B-01055169BECC}"/>
+                <a16:creationId xmlns="" xmlns:a16="http://schemas.microsoft.com/office/drawing/2014/main" id="{7E31C96E-B72D-144D-BA1B-01055169BECC}"/>
               </a:ext>
             </a:extLst>
           </p:cNvPr>
@@ -1920,7 +1920,7 @@
     </p:spTree>
     <p:extLst>
       <p:ext uri="{BB962C8B-B14F-4D97-AF65-F5344CB8AC3E}">
-        <p14:creationId xmlns:p14="http://schemas.microsoft.com/office/powerpoint/2010/main" xmlns="" val="2492038270"/>
+        <p14:creationId xmlns="" xmlns:p14="http://schemas.microsoft.com/office/powerpoint/2010/main" val="2492038270"/>
       </p:ext>
     </p:extLst>
   </p:cSld>
@@ -1952,7 +1952,7 @@
           <p:cNvPr id="2" name="Title 1">
             <a:extLst>
               <a:ext uri="{FF2B5EF4-FFF2-40B4-BE49-F238E27FC236}">
-                <a16:creationId xmlns:a16="http://schemas.microsoft.com/office/drawing/2014/main" xmlns="" id="{018150DB-9CC3-3A42-A239-EBC40367C5F8}"/>
+                <a16:creationId xmlns="" xmlns:a16="http://schemas.microsoft.com/office/drawing/2014/main" id="{018150DB-9CC3-3A42-A239-EBC40367C5F8}"/>
               </a:ext>
             </a:extLst>
           </p:cNvPr>
@@ -1981,7 +1981,7 @@
           <p:cNvPr id="3" name="Date Placeholder 2">
             <a:extLst>
               <a:ext uri="{FF2B5EF4-FFF2-40B4-BE49-F238E27FC236}">
-                <a16:creationId xmlns:a16="http://schemas.microsoft.com/office/drawing/2014/main" xmlns="" id="{3E45C6F7-BE66-5641-8041-14C2B26A21E8}"/>
+                <a16:creationId xmlns="" xmlns:a16="http://schemas.microsoft.com/office/drawing/2014/main" id="{3E45C6F7-BE66-5641-8041-14C2B26A21E8}"/>
               </a:ext>
             </a:extLst>
           </p:cNvPr>
@@ -2011,7 +2011,7 @@
           <p:cNvPr id="4" name="Footer Placeholder 3">
             <a:extLst>
               <a:ext uri="{FF2B5EF4-FFF2-40B4-BE49-F238E27FC236}">
-                <a16:creationId xmlns:a16="http://schemas.microsoft.com/office/drawing/2014/main" xmlns="" id="{63F775E5-B2D6-D54A-829B-8F4D0BF95F22}"/>
+                <a16:creationId xmlns="" xmlns:a16="http://schemas.microsoft.com/office/drawing/2014/main" id="{63F775E5-B2D6-D54A-829B-8F4D0BF95F22}"/>
               </a:ext>
             </a:extLst>
           </p:cNvPr>
@@ -2036,7 +2036,7 @@
           <p:cNvPr id="5" name="Slide Number Placeholder 4">
             <a:extLst>
               <a:ext uri="{FF2B5EF4-FFF2-40B4-BE49-F238E27FC236}">
-                <a16:creationId xmlns:a16="http://schemas.microsoft.com/office/drawing/2014/main" xmlns="" id="{E92A2307-6B7F-BB4F-87F0-3734DCEB0933}"/>
+                <a16:creationId xmlns="" xmlns:a16="http://schemas.microsoft.com/office/drawing/2014/main" id="{E92A2307-6B7F-BB4F-87F0-3734DCEB0933}"/>
               </a:ext>
             </a:extLst>
           </p:cNvPr>
@@ -2064,7 +2064,7 @@
     </p:spTree>
     <p:extLst>
       <p:ext uri="{BB962C8B-B14F-4D97-AF65-F5344CB8AC3E}">
-        <p14:creationId xmlns:p14="http://schemas.microsoft.com/office/powerpoint/2010/main" xmlns="" val="71363073"/>
+        <p14:creationId xmlns="" xmlns:p14="http://schemas.microsoft.com/office/powerpoint/2010/main" val="71363073"/>
       </p:ext>
     </p:extLst>
   </p:cSld>
@@ -2096,7 +2096,7 @@
           <p:cNvPr id="2" name="Date Placeholder 1">
             <a:extLst>
               <a:ext uri="{FF2B5EF4-FFF2-40B4-BE49-F238E27FC236}">
-                <a16:creationId xmlns:a16="http://schemas.microsoft.com/office/drawing/2014/main" xmlns="" id="{73F6FD95-54F3-9A44-8D21-DFF9DB23AD1C}"/>
+                <a16:creationId xmlns="" xmlns:a16="http://schemas.microsoft.com/office/drawing/2014/main" id="{73F6FD95-54F3-9A44-8D21-DFF9DB23AD1C}"/>
               </a:ext>
             </a:extLst>
           </p:cNvPr>
@@ -2126,7 +2126,7 @@
           <p:cNvPr id="3" name="Footer Placeholder 2">
             <a:extLst>
               <a:ext uri="{FF2B5EF4-FFF2-40B4-BE49-F238E27FC236}">
-                <a16:creationId xmlns:a16="http://schemas.microsoft.com/office/drawing/2014/main" xmlns="" id="{4A38E95A-4803-8B4E-9491-6BA5D2426BCD}"/>
+                <a16:creationId xmlns="" xmlns:a16="http://schemas.microsoft.com/office/drawing/2014/main" id="{4A38E95A-4803-8B4E-9491-6BA5D2426BCD}"/>
               </a:ext>
             </a:extLst>
           </p:cNvPr>
@@ -2151,7 +2151,7 @@
           <p:cNvPr id="4" name="Slide Number Placeholder 3">
             <a:extLst>
               <a:ext uri="{FF2B5EF4-FFF2-40B4-BE49-F238E27FC236}">
-                <a16:creationId xmlns:a16="http://schemas.microsoft.com/office/drawing/2014/main" xmlns="" id="{B3B41CB6-C6B6-A94F-BE1D-FF2C95EC2CD5}"/>
+                <a16:creationId xmlns="" xmlns:a16="http://schemas.microsoft.com/office/drawing/2014/main" id="{B3B41CB6-C6B6-A94F-BE1D-FF2C95EC2CD5}"/>
               </a:ext>
             </a:extLst>
           </p:cNvPr>
@@ -2179,7 +2179,7 @@
     </p:spTree>
     <p:extLst>
       <p:ext uri="{BB962C8B-B14F-4D97-AF65-F5344CB8AC3E}">
-        <p14:creationId xmlns:p14="http://schemas.microsoft.com/office/powerpoint/2010/main" xmlns="" val="1942186878"/>
+        <p14:creationId xmlns="" xmlns:p14="http://schemas.microsoft.com/office/powerpoint/2010/main" val="1942186878"/>
       </p:ext>
     </p:extLst>
   </p:cSld>
@@ -2211,7 +2211,7 @@
           <p:cNvPr id="2" name="Title 1">
             <a:extLst>
               <a:ext uri="{FF2B5EF4-FFF2-40B4-BE49-F238E27FC236}">
-                <a16:creationId xmlns:a16="http://schemas.microsoft.com/office/drawing/2014/main" xmlns="" id="{184F1C18-030B-CF4E-AF2E-A805476FCF76}"/>
+                <a16:creationId xmlns="" xmlns:a16="http://schemas.microsoft.com/office/drawing/2014/main" id="{184F1C18-030B-CF4E-AF2E-A805476FCF76}"/>
               </a:ext>
             </a:extLst>
           </p:cNvPr>
@@ -2249,7 +2249,7 @@
           <p:cNvPr id="3" name="Content Placeholder 2">
             <a:extLst>
               <a:ext uri="{FF2B5EF4-FFF2-40B4-BE49-F238E27FC236}">
-                <a16:creationId xmlns:a16="http://schemas.microsoft.com/office/drawing/2014/main" xmlns="" id="{C2C063FE-13C9-CC47-95D6-07CFB4C3AA52}"/>
+                <a16:creationId xmlns="" xmlns:a16="http://schemas.microsoft.com/office/drawing/2014/main" id="{C2C063FE-13C9-CC47-95D6-07CFB4C3AA52}"/>
               </a:ext>
             </a:extLst>
           </p:cNvPr>
@@ -2340,7 +2340,7 @@
           <p:cNvPr id="4" name="Text Placeholder 3">
             <a:extLst>
               <a:ext uri="{FF2B5EF4-FFF2-40B4-BE49-F238E27FC236}">
-                <a16:creationId xmlns:a16="http://schemas.microsoft.com/office/drawing/2014/main" xmlns="" id="{558AD5C5-E811-D64D-A003-B1D902E06FE6}"/>
+                <a16:creationId xmlns="" xmlns:a16="http://schemas.microsoft.com/office/drawing/2014/main" id="{558AD5C5-E811-D64D-A003-B1D902E06FE6}"/>
               </a:ext>
             </a:extLst>
           </p:cNvPr>
@@ -2411,7 +2411,7 @@
           <p:cNvPr id="5" name="Date Placeholder 4">
             <a:extLst>
               <a:ext uri="{FF2B5EF4-FFF2-40B4-BE49-F238E27FC236}">
-                <a16:creationId xmlns:a16="http://schemas.microsoft.com/office/drawing/2014/main" xmlns="" id="{CDDC0BE6-488B-C547-AF84-04A1556367E4}"/>
+                <a16:creationId xmlns="" xmlns:a16="http://schemas.microsoft.com/office/drawing/2014/main" id="{CDDC0BE6-488B-C547-AF84-04A1556367E4}"/>
               </a:ext>
             </a:extLst>
           </p:cNvPr>
@@ -2441,7 +2441,7 @@
           <p:cNvPr id="6" name="Footer Placeholder 5">
             <a:extLst>
               <a:ext uri="{FF2B5EF4-FFF2-40B4-BE49-F238E27FC236}">
-                <a16:creationId xmlns:a16="http://schemas.microsoft.com/office/drawing/2014/main" xmlns="" id="{0946AD99-9DA0-3647-88EA-2A7EA13C3C2E}"/>
+                <a16:creationId xmlns="" xmlns:a16="http://schemas.microsoft.com/office/drawing/2014/main" id="{0946AD99-9DA0-3647-88EA-2A7EA13C3C2E}"/>
               </a:ext>
             </a:extLst>
           </p:cNvPr>
@@ -2466,7 +2466,7 @@
           <p:cNvPr id="7" name="Slide Number Placeholder 6">
             <a:extLst>
               <a:ext uri="{FF2B5EF4-FFF2-40B4-BE49-F238E27FC236}">
-                <a16:creationId xmlns:a16="http://schemas.microsoft.com/office/drawing/2014/main" xmlns="" id="{17762AE6-E525-4247-A4D8-C64A9269EF75}"/>
+                <a16:creationId xmlns="" xmlns:a16="http://schemas.microsoft.com/office/drawing/2014/main" id="{17762AE6-E525-4247-A4D8-C64A9269EF75}"/>
               </a:ext>
             </a:extLst>
           </p:cNvPr>
@@ -2494,7 +2494,7 @@
     </p:spTree>
     <p:extLst>
       <p:ext uri="{BB962C8B-B14F-4D97-AF65-F5344CB8AC3E}">
-        <p14:creationId xmlns:p14="http://schemas.microsoft.com/office/powerpoint/2010/main" xmlns="" val="2736165613"/>
+        <p14:creationId xmlns="" xmlns:p14="http://schemas.microsoft.com/office/powerpoint/2010/main" val="2736165613"/>
       </p:ext>
     </p:extLst>
   </p:cSld>
@@ -2526,7 +2526,7 @@
           <p:cNvPr id="2" name="Title 1">
             <a:extLst>
               <a:ext uri="{FF2B5EF4-FFF2-40B4-BE49-F238E27FC236}">
-                <a16:creationId xmlns:a16="http://schemas.microsoft.com/office/drawing/2014/main" xmlns="" id="{AC60C3F2-D15F-F948-81AF-473E8AE2E9B8}"/>
+                <a16:creationId xmlns="" xmlns:a16="http://schemas.microsoft.com/office/drawing/2014/main" id="{AC60C3F2-D15F-F948-81AF-473E8AE2E9B8}"/>
               </a:ext>
             </a:extLst>
           </p:cNvPr>
@@ -2564,7 +2564,7 @@
           <p:cNvPr id="3" name="Picture Placeholder 2">
             <a:extLst>
               <a:ext uri="{FF2B5EF4-FFF2-40B4-BE49-F238E27FC236}">
-                <a16:creationId xmlns:a16="http://schemas.microsoft.com/office/drawing/2014/main" xmlns="" id="{1A23F049-3BC2-5145-B409-8122D5A8E756}"/>
+                <a16:creationId xmlns="" xmlns:a16="http://schemas.microsoft.com/office/drawing/2014/main" id="{1A23F049-3BC2-5145-B409-8122D5A8E756}"/>
               </a:ext>
             </a:extLst>
           </p:cNvPr>
@@ -2631,7 +2631,7 @@
           <p:cNvPr id="4" name="Text Placeholder 3">
             <a:extLst>
               <a:ext uri="{FF2B5EF4-FFF2-40B4-BE49-F238E27FC236}">
-                <a16:creationId xmlns:a16="http://schemas.microsoft.com/office/drawing/2014/main" xmlns="" id="{8B4989D3-075A-D641-A01C-9530C5725541}"/>
+                <a16:creationId xmlns="" xmlns:a16="http://schemas.microsoft.com/office/drawing/2014/main" id="{8B4989D3-075A-D641-A01C-9530C5725541}"/>
               </a:ext>
             </a:extLst>
           </p:cNvPr>
@@ -2702,7 +2702,7 @@
           <p:cNvPr id="5" name="Date Placeholder 4">
             <a:extLst>
               <a:ext uri="{FF2B5EF4-FFF2-40B4-BE49-F238E27FC236}">
-                <a16:creationId xmlns:a16="http://schemas.microsoft.com/office/drawing/2014/main" xmlns="" id="{719B3ABA-60EC-0145-8D98-D21CA54A284E}"/>
+                <a16:creationId xmlns="" xmlns:a16="http://schemas.microsoft.com/office/drawing/2014/main" id="{719B3ABA-60EC-0145-8D98-D21CA54A284E}"/>
               </a:ext>
             </a:extLst>
           </p:cNvPr>
@@ -2732,7 +2732,7 @@
           <p:cNvPr id="6" name="Footer Placeholder 5">
             <a:extLst>
               <a:ext uri="{FF2B5EF4-FFF2-40B4-BE49-F238E27FC236}">
-                <a16:creationId xmlns:a16="http://schemas.microsoft.com/office/drawing/2014/main" xmlns="" id="{DDC44B28-8B2F-BC48-BA3E-E845CDC5A5A1}"/>
+                <a16:creationId xmlns="" xmlns:a16="http://schemas.microsoft.com/office/drawing/2014/main" id="{DDC44B28-8B2F-BC48-BA3E-E845CDC5A5A1}"/>
               </a:ext>
             </a:extLst>
           </p:cNvPr>
@@ -2757,7 +2757,7 @@
           <p:cNvPr id="7" name="Slide Number Placeholder 6">
             <a:extLst>
               <a:ext uri="{FF2B5EF4-FFF2-40B4-BE49-F238E27FC236}">
-                <a16:creationId xmlns:a16="http://schemas.microsoft.com/office/drawing/2014/main" xmlns="" id="{AAF70EBF-0265-D746-884A-6D4B187C83CC}"/>
+                <a16:creationId xmlns="" xmlns:a16="http://schemas.microsoft.com/office/drawing/2014/main" id="{AAF70EBF-0265-D746-884A-6D4B187C83CC}"/>
               </a:ext>
             </a:extLst>
           </p:cNvPr>
@@ -2785,7 +2785,7 @@
     </p:spTree>
     <p:extLst>
       <p:ext uri="{BB962C8B-B14F-4D97-AF65-F5344CB8AC3E}">
-        <p14:creationId xmlns:p14="http://schemas.microsoft.com/office/powerpoint/2010/main" xmlns="" val="2465134056"/>
+        <p14:creationId xmlns="" xmlns:p14="http://schemas.microsoft.com/office/powerpoint/2010/main" val="2465134056"/>
       </p:ext>
     </p:extLst>
   </p:cSld>
@@ -2822,7 +2822,7 @@
           <p:cNvPr id="2" name="Title Placeholder 1">
             <a:extLst>
               <a:ext uri="{FF2B5EF4-FFF2-40B4-BE49-F238E27FC236}">
-                <a16:creationId xmlns:a16="http://schemas.microsoft.com/office/drawing/2014/main" xmlns="" id="{C045A62D-1951-FA40-A938-7203602CE7FE}"/>
+                <a16:creationId xmlns="" xmlns:a16="http://schemas.microsoft.com/office/drawing/2014/main" id="{C045A62D-1951-FA40-A938-7203602CE7FE}"/>
               </a:ext>
             </a:extLst>
           </p:cNvPr>
@@ -2861,7 +2861,7 @@
           <p:cNvPr id="3" name="Text Placeholder 2">
             <a:extLst>
               <a:ext uri="{FF2B5EF4-FFF2-40B4-BE49-F238E27FC236}">
-                <a16:creationId xmlns:a16="http://schemas.microsoft.com/office/drawing/2014/main" xmlns="" id="{88E6BFA3-BD62-CB44-A37E-507795F8F09C}"/>
+                <a16:creationId xmlns="" xmlns:a16="http://schemas.microsoft.com/office/drawing/2014/main" id="{88E6BFA3-BD62-CB44-A37E-507795F8F09C}"/>
               </a:ext>
             </a:extLst>
           </p:cNvPr>
@@ -2929,7 +2929,7 @@
           <p:cNvPr id="4" name="Date Placeholder 3">
             <a:extLst>
               <a:ext uri="{FF2B5EF4-FFF2-40B4-BE49-F238E27FC236}">
-                <a16:creationId xmlns:a16="http://schemas.microsoft.com/office/drawing/2014/main" xmlns="" id="{9381C7A0-5FFD-D74D-ACDC-53E6A9758F65}"/>
+                <a16:creationId xmlns="" xmlns:a16="http://schemas.microsoft.com/office/drawing/2014/main" id="{9381C7A0-5FFD-D74D-ACDC-53E6A9758F65}"/>
               </a:ext>
             </a:extLst>
           </p:cNvPr>
@@ -2977,7 +2977,7 @@
           <p:cNvPr id="5" name="Footer Placeholder 4">
             <a:extLst>
               <a:ext uri="{FF2B5EF4-FFF2-40B4-BE49-F238E27FC236}">
-                <a16:creationId xmlns:a16="http://schemas.microsoft.com/office/drawing/2014/main" xmlns="" id="{9F941B0F-4A62-F542-B6A7-A5204041275F}"/>
+                <a16:creationId xmlns="" xmlns:a16="http://schemas.microsoft.com/office/drawing/2014/main" id="{9F941B0F-4A62-F542-B6A7-A5204041275F}"/>
               </a:ext>
             </a:extLst>
           </p:cNvPr>
@@ -3020,7 +3020,7 @@
           <p:cNvPr id="6" name="Slide Number Placeholder 5">
             <a:extLst>
               <a:ext uri="{FF2B5EF4-FFF2-40B4-BE49-F238E27FC236}">
-                <a16:creationId xmlns:a16="http://schemas.microsoft.com/office/drawing/2014/main" xmlns="" id="{B3FE9501-35DC-9F4F-8E90-9A01F5F2189D}"/>
+                <a16:creationId xmlns="" xmlns:a16="http://schemas.microsoft.com/office/drawing/2014/main" id="{B3FE9501-35DC-9F4F-8E90-9A01F5F2189D}"/>
               </a:ext>
             </a:extLst>
           </p:cNvPr>
@@ -3066,7 +3066,7 @@
     </p:spTree>
     <p:extLst>
       <p:ext uri="{BB962C8B-B14F-4D97-AF65-F5344CB8AC3E}">
-        <p14:creationId xmlns:p14="http://schemas.microsoft.com/office/powerpoint/2010/main" xmlns="" val="2184081235"/>
+        <p14:creationId xmlns="" xmlns:p14="http://schemas.microsoft.com/office/powerpoint/2010/main" val="2184081235"/>
       </p:ext>
     </p:extLst>
   </p:cSld>
@@ -3389,7 +3389,7 @@
           <p:cNvPr id="2" name="Title 1">
             <a:extLst>
               <a:ext uri="{FF2B5EF4-FFF2-40B4-BE49-F238E27FC236}">
-                <a16:creationId xmlns:a16="http://schemas.microsoft.com/office/drawing/2014/main" xmlns="" id="{242D2145-372B-5645-A042-63D64D7500EE}"/>
+                <a16:creationId xmlns="" xmlns:a16="http://schemas.microsoft.com/office/drawing/2014/main" id="{242D2145-372B-5645-A042-63D64D7500EE}"/>
               </a:ext>
             </a:extLst>
           </p:cNvPr>
@@ -3415,7 +3415,7 @@
     </p:spTree>
     <p:extLst>
       <p:ext uri="{BB962C8B-B14F-4D97-AF65-F5344CB8AC3E}">
-        <p14:creationId xmlns:p14="http://schemas.microsoft.com/office/powerpoint/2010/main" xmlns="" val="1932220899"/>
+        <p14:creationId xmlns="" xmlns:p14="http://schemas.microsoft.com/office/powerpoint/2010/main" val="1932220899"/>
       </p:ext>
     </p:extLst>
   </p:cSld>
@@ -3447,7 +3447,7 @@
           <p:cNvPr id="2" name="Title 1">
             <a:extLst>
               <a:ext uri="{FF2B5EF4-FFF2-40B4-BE49-F238E27FC236}">
-                <a16:creationId xmlns:a16="http://schemas.microsoft.com/office/drawing/2014/main" xmlns="" id="{36D90830-E531-FE43-9D56-1883BC6DA947}"/>
+                <a16:creationId xmlns="" xmlns:a16="http://schemas.microsoft.com/office/drawing/2014/main" id="{36D90830-E531-FE43-9D56-1883BC6DA947}"/>
               </a:ext>
             </a:extLst>
           </p:cNvPr>
@@ -3483,7 +3483,7 @@
           <p:cNvPr id="3" name="Content Placeholder 2">
             <a:extLst>
               <a:ext uri="{FF2B5EF4-FFF2-40B4-BE49-F238E27FC236}">
-                <a16:creationId xmlns:a16="http://schemas.microsoft.com/office/drawing/2014/main" xmlns="" id="{58106236-F055-FF4E-842B-FCA1AD26C966}"/>
+                <a16:creationId xmlns="" xmlns:a16="http://schemas.microsoft.com/office/drawing/2014/main" id="{58106236-F055-FF4E-842B-FCA1AD26C966}"/>
               </a:ext>
             </a:extLst>
           </p:cNvPr>
@@ -3549,7 +3549,7 @@
     </p:spTree>
     <p:extLst>
       <p:ext uri="{BB962C8B-B14F-4D97-AF65-F5344CB8AC3E}">
-        <p14:creationId xmlns:p14="http://schemas.microsoft.com/office/powerpoint/2010/main" xmlns="" val="2329066050"/>
+        <p14:creationId xmlns="" xmlns:p14="http://schemas.microsoft.com/office/powerpoint/2010/main" val="2329066050"/>
       </p:ext>
     </p:extLst>
   </p:cSld>
@@ -3581,7 +3581,7 @@
           <p:cNvPr id="2" name="Title 1">
             <a:extLst>
               <a:ext uri="{FF2B5EF4-FFF2-40B4-BE49-F238E27FC236}">
-                <a16:creationId xmlns:a16="http://schemas.microsoft.com/office/drawing/2014/main" xmlns="" id="{36D90830-E531-FE43-9D56-1883BC6DA947}"/>
+                <a16:creationId xmlns="" xmlns:a16="http://schemas.microsoft.com/office/drawing/2014/main" id="{36D90830-E531-FE43-9D56-1883BC6DA947}"/>
               </a:ext>
             </a:extLst>
           </p:cNvPr>
@@ -3617,7 +3617,7 @@
           <p:cNvPr id="3" name="Content Placeholder 2">
             <a:extLst>
               <a:ext uri="{FF2B5EF4-FFF2-40B4-BE49-F238E27FC236}">
-                <a16:creationId xmlns:a16="http://schemas.microsoft.com/office/drawing/2014/main" xmlns="" id="{58106236-F055-FF4E-842B-FCA1AD26C966}"/>
+                <a16:creationId xmlns="" xmlns:a16="http://schemas.microsoft.com/office/drawing/2014/main" id="{58106236-F055-FF4E-842B-FCA1AD26C966}"/>
               </a:ext>
             </a:extLst>
           </p:cNvPr>
@@ -3686,7 +3686,7 @@
     </p:spTree>
     <p:extLst>
       <p:ext uri="{BB962C8B-B14F-4D97-AF65-F5344CB8AC3E}">
-        <p14:creationId xmlns:p14="http://schemas.microsoft.com/office/powerpoint/2010/main" xmlns="" val="3172411114"/>
+        <p14:creationId xmlns="" xmlns:p14="http://schemas.microsoft.com/office/powerpoint/2010/main" val="3172411114"/>
       </p:ext>
     </p:extLst>
   </p:cSld>
@@ -3718,7 +3718,7 @@
           <p:cNvPr id="2" name="Title 1">
             <a:extLst>
               <a:ext uri="{FF2B5EF4-FFF2-40B4-BE49-F238E27FC236}">
-                <a16:creationId xmlns:a16="http://schemas.microsoft.com/office/drawing/2014/main" xmlns="" id="{36D90830-E531-FE43-9D56-1883BC6DA947}"/>
+                <a16:creationId xmlns="" xmlns:a16="http://schemas.microsoft.com/office/drawing/2014/main" id="{36D90830-E531-FE43-9D56-1883BC6DA947}"/>
               </a:ext>
             </a:extLst>
           </p:cNvPr>
@@ -3754,7 +3754,7 @@
           <p:cNvPr id="3" name="Content Placeholder 2">
             <a:extLst>
               <a:ext uri="{FF2B5EF4-FFF2-40B4-BE49-F238E27FC236}">
-                <a16:creationId xmlns:a16="http://schemas.microsoft.com/office/drawing/2014/main" xmlns="" id="{58106236-F055-FF4E-842B-FCA1AD26C966}"/>
+                <a16:creationId xmlns="" xmlns:a16="http://schemas.microsoft.com/office/drawing/2014/main" id="{58106236-F055-FF4E-842B-FCA1AD26C966}"/>
               </a:ext>
             </a:extLst>
           </p:cNvPr>
@@ -3834,7 +3834,7 @@
     </p:spTree>
     <p:extLst>
       <p:ext uri="{BB962C8B-B14F-4D97-AF65-F5344CB8AC3E}">
-        <p14:creationId xmlns:p14="http://schemas.microsoft.com/office/powerpoint/2010/main" xmlns="" val="1911896699"/>
+        <p14:creationId xmlns="" xmlns:p14="http://schemas.microsoft.com/office/powerpoint/2010/main" val="1911896699"/>
       </p:ext>
     </p:extLst>
   </p:cSld>
@@ -3866,7 +3866,7 @@
           <p:cNvPr id="2" name="Title 1">
             <a:extLst>
               <a:ext uri="{FF2B5EF4-FFF2-40B4-BE49-F238E27FC236}">
-                <a16:creationId xmlns:a16="http://schemas.microsoft.com/office/drawing/2014/main" xmlns="" id="{36D90830-E531-FE43-9D56-1883BC6DA947}"/>
+                <a16:creationId xmlns="" xmlns:a16="http://schemas.microsoft.com/office/drawing/2014/main" id="{36D90830-E531-FE43-9D56-1883BC6DA947}"/>
               </a:ext>
             </a:extLst>
           </p:cNvPr>
@@ -3902,7 +3902,7 @@
           <p:cNvPr id="3" name="Content Placeholder 2">
             <a:extLst>
               <a:ext uri="{FF2B5EF4-FFF2-40B4-BE49-F238E27FC236}">
-                <a16:creationId xmlns:a16="http://schemas.microsoft.com/office/drawing/2014/main" xmlns="" id="{58106236-F055-FF4E-842B-FCA1AD26C966}"/>
+                <a16:creationId xmlns="" xmlns:a16="http://schemas.microsoft.com/office/drawing/2014/main" id="{58106236-F055-FF4E-842B-FCA1AD26C966}"/>
               </a:ext>
             </a:extLst>
           </p:cNvPr>
@@ -3942,7 +3942,7 @@
     </p:spTree>
     <p:extLst>
       <p:ext uri="{BB962C8B-B14F-4D97-AF65-F5344CB8AC3E}">
-        <p14:creationId xmlns:p14="http://schemas.microsoft.com/office/powerpoint/2010/main" xmlns="" val="1911896699"/>
+        <p14:creationId xmlns="" xmlns:p14="http://schemas.microsoft.com/office/powerpoint/2010/main" val="1911896699"/>
       </p:ext>
     </p:extLst>
   </p:cSld>
@@ -3974,7 +3974,7 @@
           <p:cNvPr id="2" name="Title 1">
             <a:extLst>
               <a:ext uri="{FF2B5EF4-FFF2-40B4-BE49-F238E27FC236}">
-                <a16:creationId xmlns:a16="http://schemas.microsoft.com/office/drawing/2014/main" xmlns="" id="{36D90830-E531-FE43-9D56-1883BC6DA947}"/>
+                <a16:creationId xmlns="" xmlns:a16="http://schemas.microsoft.com/office/drawing/2014/main" id="{36D90830-E531-FE43-9D56-1883BC6DA947}"/>
               </a:ext>
             </a:extLst>
           </p:cNvPr>
@@ -4009,7 +4009,7 @@
           <p:cNvPr id="3" name="Content Placeholder 2">
             <a:extLst>
               <a:ext uri="{FF2B5EF4-FFF2-40B4-BE49-F238E27FC236}">
-                <a16:creationId xmlns:a16="http://schemas.microsoft.com/office/drawing/2014/main" xmlns="" id="{58106236-F055-FF4E-842B-FCA1AD26C966}"/>
+                <a16:creationId xmlns="" xmlns:a16="http://schemas.microsoft.com/office/drawing/2014/main" id="{58106236-F055-FF4E-842B-FCA1AD26C966}"/>
               </a:ext>
             </a:extLst>
           </p:cNvPr>
@@ -4083,7 +4083,7 @@
     </p:spTree>
     <p:extLst>
       <p:ext uri="{BB962C8B-B14F-4D97-AF65-F5344CB8AC3E}">
-        <p14:creationId xmlns:p14="http://schemas.microsoft.com/office/powerpoint/2010/main" xmlns="" val="2495845544"/>
+        <p14:creationId xmlns="" xmlns:p14="http://schemas.microsoft.com/office/powerpoint/2010/main" val="2495845544"/>
       </p:ext>
     </p:extLst>
   </p:cSld>
@@ -4115,7 +4115,7 @@
           <p:cNvPr id="2" name="Title 1">
             <a:extLst>
               <a:ext uri="{FF2B5EF4-FFF2-40B4-BE49-F238E27FC236}">
-                <a16:creationId xmlns:a16="http://schemas.microsoft.com/office/drawing/2014/main" xmlns="" id="{36D90830-E531-FE43-9D56-1883BC6DA947}"/>
+                <a16:creationId xmlns="" xmlns:a16="http://schemas.microsoft.com/office/drawing/2014/main" id="{36D90830-E531-FE43-9D56-1883BC6DA947}"/>
               </a:ext>
             </a:extLst>
           </p:cNvPr>
@@ -4149,7 +4149,7 @@
     </p:spTree>
     <p:extLst>
       <p:ext uri="{BB962C8B-B14F-4D97-AF65-F5344CB8AC3E}">
-        <p14:creationId xmlns:p14="http://schemas.microsoft.com/office/powerpoint/2010/main" xmlns="" val="1181629393"/>
+        <p14:creationId xmlns="" xmlns:p14="http://schemas.microsoft.com/office/powerpoint/2010/main" val="1181629393"/>
       </p:ext>
     </p:extLst>
   </p:cSld>
@@ -4181,7 +4181,7 @@
           <p:cNvPr id="2" name="Title 1">
             <a:extLst>
               <a:ext uri="{FF2B5EF4-FFF2-40B4-BE49-F238E27FC236}">
-                <a16:creationId xmlns:a16="http://schemas.microsoft.com/office/drawing/2014/main" xmlns="" id="{36D90830-E531-FE43-9D56-1883BC6DA947}"/>
+                <a16:creationId xmlns="" xmlns:a16="http://schemas.microsoft.com/office/drawing/2014/main" id="{36D90830-E531-FE43-9D56-1883BC6DA947}"/>
               </a:ext>
             </a:extLst>
           </p:cNvPr>
@@ -4217,7 +4217,7 @@
           <p:cNvPr id="3" name="Content Placeholder 2">
             <a:extLst>
               <a:ext uri="{FF2B5EF4-FFF2-40B4-BE49-F238E27FC236}">
-                <a16:creationId xmlns:a16="http://schemas.microsoft.com/office/drawing/2014/main" xmlns="" id="{58106236-F055-FF4E-842B-FCA1AD26C966}"/>
+                <a16:creationId xmlns="" xmlns:a16="http://schemas.microsoft.com/office/drawing/2014/main" id="{58106236-F055-FF4E-842B-FCA1AD26C966}"/>
               </a:ext>
             </a:extLst>
           </p:cNvPr>
@@ -4278,7 +4278,7 @@
     </p:spTree>
     <p:extLst>
       <p:ext uri="{BB962C8B-B14F-4D97-AF65-F5344CB8AC3E}">
-        <p14:creationId xmlns:p14="http://schemas.microsoft.com/office/powerpoint/2010/main" xmlns="" val="3820599613"/>
+        <p14:creationId xmlns="" xmlns:p14="http://schemas.microsoft.com/office/powerpoint/2010/main" val="3820599613"/>
       </p:ext>
     </p:extLst>
   </p:cSld>
@@ -4310,7 +4310,7 @@
           <p:cNvPr id="2" name="Title 1">
             <a:extLst>
               <a:ext uri="{FF2B5EF4-FFF2-40B4-BE49-F238E27FC236}">
-                <a16:creationId xmlns:a16="http://schemas.microsoft.com/office/drawing/2014/main" xmlns="" id="{36D90830-E531-FE43-9D56-1883BC6DA947}"/>
+                <a16:creationId xmlns="" xmlns:a16="http://schemas.microsoft.com/office/drawing/2014/main" id="{36D90830-E531-FE43-9D56-1883BC6DA947}"/>
               </a:ext>
             </a:extLst>
           </p:cNvPr>
@@ -4346,7 +4346,7 @@
           <p:cNvPr id="3" name="Content Placeholder 2">
             <a:extLst>
               <a:ext uri="{FF2B5EF4-FFF2-40B4-BE49-F238E27FC236}">
-                <a16:creationId xmlns:a16="http://schemas.microsoft.com/office/drawing/2014/main" xmlns="" id="{58106236-F055-FF4E-842B-FCA1AD26C966}"/>
+                <a16:creationId xmlns="" xmlns:a16="http://schemas.microsoft.com/office/drawing/2014/main" id="{58106236-F055-FF4E-842B-FCA1AD26C966}"/>
               </a:ext>
             </a:extLst>
           </p:cNvPr>
@@ -4379,7 +4379,6 @@
               <a:rPr lang="en-IN" b="1" dirty="0" smtClean="0"/>
               <a:t>AI is the study of how to make computers do things which at the moment humans do better</a:t>
             </a:r>
-            <a:endParaRPr lang="en-IN" b="1" dirty="0" smtClean="0"/>
           </a:p>
           <a:p>
             <a:r>
@@ -4406,7 +4405,7 @@
     </p:spTree>
     <p:extLst>
       <p:ext uri="{BB962C8B-B14F-4D97-AF65-F5344CB8AC3E}">
-        <p14:creationId xmlns:p14="http://schemas.microsoft.com/office/powerpoint/2010/main" xmlns="" val="2196284886"/>
+        <p14:creationId xmlns="" xmlns:p14="http://schemas.microsoft.com/office/powerpoint/2010/main" val="2196284886"/>
       </p:ext>
     </p:extLst>
   </p:cSld>
@@ -4438,7 +4437,7 @@
           <p:cNvPr id="2" name="Title 1">
             <a:extLst>
               <a:ext uri="{FF2B5EF4-FFF2-40B4-BE49-F238E27FC236}">
-                <a16:creationId xmlns:a16="http://schemas.microsoft.com/office/drawing/2014/main" xmlns="" id="{36D90830-E531-FE43-9D56-1883BC6DA947}"/>
+                <a16:creationId xmlns="" xmlns:a16="http://schemas.microsoft.com/office/drawing/2014/main" id="{36D90830-E531-FE43-9D56-1883BC6DA947}"/>
               </a:ext>
             </a:extLst>
           </p:cNvPr>
@@ -4474,7 +4473,7 @@
           <p:cNvPr id="3" name="Content Placeholder 2">
             <a:extLst>
               <a:ext uri="{FF2B5EF4-FFF2-40B4-BE49-F238E27FC236}">
-                <a16:creationId xmlns:a16="http://schemas.microsoft.com/office/drawing/2014/main" xmlns="" id="{58106236-F055-FF4E-842B-FCA1AD26C966}"/>
+                <a16:creationId xmlns="" xmlns:a16="http://schemas.microsoft.com/office/drawing/2014/main" id="{58106236-F055-FF4E-842B-FCA1AD26C966}"/>
               </a:ext>
             </a:extLst>
           </p:cNvPr>
@@ -4522,7 +4521,7 @@
     </p:spTree>
     <p:extLst>
       <p:ext uri="{BB962C8B-B14F-4D97-AF65-F5344CB8AC3E}">
-        <p14:creationId xmlns:p14="http://schemas.microsoft.com/office/powerpoint/2010/main" xmlns="" val="1579906509"/>
+        <p14:creationId xmlns="" xmlns:p14="http://schemas.microsoft.com/office/powerpoint/2010/main" val="1579906509"/>
       </p:ext>
     </p:extLst>
   </p:cSld>
@@ -4554,7 +4553,7 @@
           <p:cNvPr id="2" name="Title 1">
             <a:extLst>
               <a:ext uri="{FF2B5EF4-FFF2-40B4-BE49-F238E27FC236}">
-                <a16:creationId xmlns:a16="http://schemas.microsoft.com/office/drawing/2014/main" xmlns="" id="{36D90830-E531-FE43-9D56-1883BC6DA947}"/>
+                <a16:creationId xmlns="" xmlns:a16="http://schemas.microsoft.com/office/drawing/2014/main" id="{36D90830-E531-FE43-9D56-1883BC6DA947}"/>
               </a:ext>
             </a:extLst>
           </p:cNvPr>
@@ -4590,7 +4589,7 @@
           <p:cNvPr id="3" name="Content Placeholder 2">
             <a:extLst>
               <a:ext uri="{FF2B5EF4-FFF2-40B4-BE49-F238E27FC236}">
-                <a16:creationId xmlns:a16="http://schemas.microsoft.com/office/drawing/2014/main" xmlns="" id="{58106236-F055-FF4E-842B-FCA1AD26C966}"/>
+                <a16:creationId xmlns="" xmlns:a16="http://schemas.microsoft.com/office/drawing/2014/main" id="{58106236-F055-FF4E-842B-FCA1AD26C966}"/>
               </a:ext>
             </a:extLst>
           </p:cNvPr>
@@ -4615,23 +4614,11 @@
           <a:p>
             <a:r>
               <a:rPr lang="en-US" sz="3600" dirty="0" smtClean="0"/>
-              <a:t>Machine </a:t>
-            </a:r>
-            <a:r>
-              <a:rPr lang="en-US" sz="3600" dirty="0" smtClean="0"/>
-              <a:t>learning is an application of artificial intelligence (AI) that provides systems the ability to automatically learn and improve from experience without being explicitly programmed. </a:t>
+              <a:t>Machine learning is an application of artificial intelligence (AI) that provides systems the ability to automatically learn and improve from experience without being explicitly programmed. </a:t>
             </a:r>
             <a:r>
               <a:rPr lang="en-US" sz="3600" b="1" dirty="0" smtClean="0"/>
-              <a:t>Machine learning focuses on the development of computer programs</a:t>
-            </a:r>
-            <a:r>
-              <a:rPr lang="en-US" sz="3600" dirty="0" smtClean="0"/>
-              <a:t> that can access data and use it to learn for themselves</a:t>
-            </a:r>
-            <a:r>
-              <a:rPr lang="en-US" sz="3600" dirty="0" smtClean="0"/>
-              <a:t>.</a:t>
+              <a:t>Machine learning focuses on the development of computer programs that can access data and use it to learn for themselves.</a:t>
             </a:r>
           </a:p>
           <a:p>
@@ -4639,14 +4626,13 @@
               <a:rPr lang="en-US" sz="3600" dirty="0" smtClean="0"/>
               <a:t>Machine Learning (ML) is the heart of AI</a:t>
             </a:r>
-            <a:endParaRPr lang="en-US" sz="3600" dirty="0" smtClean="0"/>
           </a:p>
         </p:txBody>
       </p:sp>
     </p:spTree>
     <p:extLst>
       <p:ext uri="{BB962C8B-B14F-4D97-AF65-F5344CB8AC3E}">
-        <p14:creationId xmlns:p14="http://schemas.microsoft.com/office/powerpoint/2010/main" xmlns="" val="1579906509"/>
+        <p14:creationId xmlns="" xmlns:p14="http://schemas.microsoft.com/office/powerpoint/2010/main" val="1579906509"/>
       </p:ext>
     </p:extLst>
   </p:cSld>
@@ -4678,7 +4664,7 @@
           <p:cNvPr id="2" name="Title 1">
             <a:extLst>
               <a:ext uri="{FF2B5EF4-FFF2-40B4-BE49-F238E27FC236}">
-                <a16:creationId xmlns:a16="http://schemas.microsoft.com/office/drawing/2014/main" xmlns="" id="{36D90830-E531-FE43-9D56-1883BC6DA947}"/>
+                <a16:creationId xmlns="" xmlns:a16="http://schemas.microsoft.com/office/drawing/2014/main" id="{36D90830-E531-FE43-9D56-1883BC6DA947}"/>
               </a:ext>
             </a:extLst>
           </p:cNvPr>
@@ -4713,7 +4699,7 @@
           <p:cNvPr id="3" name="Content Placeholder 2">
             <a:extLst>
               <a:ext uri="{FF2B5EF4-FFF2-40B4-BE49-F238E27FC236}">
-                <a16:creationId xmlns:a16="http://schemas.microsoft.com/office/drawing/2014/main" xmlns="" id="{58106236-F055-FF4E-842B-FCA1AD26C966}"/>
+                <a16:creationId xmlns="" xmlns:a16="http://schemas.microsoft.com/office/drawing/2014/main" id="{58106236-F055-FF4E-842B-FCA1AD26C966}"/>
               </a:ext>
             </a:extLst>
           </p:cNvPr>
@@ -4761,7 +4747,7 @@
     </p:spTree>
     <p:extLst>
       <p:ext uri="{BB962C8B-B14F-4D97-AF65-F5344CB8AC3E}">
-        <p14:creationId xmlns:p14="http://schemas.microsoft.com/office/powerpoint/2010/main" xmlns="" val="41703101"/>
+        <p14:creationId xmlns="" xmlns:p14="http://schemas.microsoft.com/office/powerpoint/2010/main" val="41703101"/>
       </p:ext>
     </p:extLst>
   </p:cSld>
@@ -4793,7 +4779,7 @@
           <p:cNvPr id="2" name="Title 1">
             <a:extLst>
               <a:ext uri="{FF2B5EF4-FFF2-40B4-BE49-F238E27FC236}">
-                <a16:creationId xmlns:a16="http://schemas.microsoft.com/office/drawing/2014/main" xmlns="" id="{36D90830-E531-FE43-9D56-1883BC6DA947}"/>
+                <a16:creationId xmlns="" xmlns:a16="http://schemas.microsoft.com/office/drawing/2014/main" id="{36D90830-E531-FE43-9D56-1883BC6DA947}"/>
               </a:ext>
             </a:extLst>
           </p:cNvPr>
@@ -4828,7 +4814,7 @@
           <p:cNvPr id="3" name="Content Placeholder 2">
             <a:extLst>
               <a:ext uri="{FF2B5EF4-FFF2-40B4-BE49-F238E27FC236}">
-                <a16:creationId xmlns:a16="http://schemas.microsoft.com/office/drawing/2014/main" xmlns="" id="{58106236-F055-FF4E-842B-FCA1AD26C966}"/>
+                <a16:creationId xmlns="" xmlns:a16="http://schemas.microsoft.com/office/drawing/2014/main" id="{58106236-F055-FF4E-842B-FCA1AD26C966}"/>
               </a:ext>
             </a:extLst>
           </p:cNvPr>
@@ -4876,7 +4862,7 @@
     </p:spTree>
     <p:extLst>
       <p:ext uri="{BB962C8B-B14F-4D97-AF65-F5344CB8AC3E}">
-        <p14:creationId xmlns:p14="http://schemas.microsoft.com/office/powerpoint/2010/main" xmlns="" val="1495615781"/>
+        <p14:creationId xmlns="" xmlns:p14="http://schemas.microsoft.com/office/powerpoint/2010/main" val="1495615781"/>
       </p:ext>
     </p:extLst>
   </p:cSld>
@@ -4908,7 +4894,7 @@
           <p:cNvPr id="2" name="Title 1">
             <a:extLst>
               <a:ext uri="{FF2B5EF4-FFF2-40B4-BE49-F238E27FC236}">
-                <a16:creationId xmlns:a16="http://schemas.microsoft.com/office/drawing/2014/main" xmlns="" id="{36D90830-E531-FE43-9D56-1883BC6DA947}"/>
+                <a16:creationId xmlns="" xmlns:a16="http://schemas.microsoft.com/office/drawing/2014/main" id="{36D90830-E531-FE43-9D56-1883BC6DA947}"/>
               </a:ext>
             </a:extLst>
           </p:cNvPr>
@@ -4944,7 +4930,7 @@
           <p:cNvPr id="3" name="Content Placeholder 2">
             <a:extLst>
               <a:ext uri="{FF2B5EF4-FFF2-40B4-BE49-F238E27FC236}">
-                <a16:creationId xmlns:a16="http://schemas.microsoft.com/office/drawing/2014/main" xmlns="" id="{58106236-F055-FF4E-842B-FCA1AD26C966}"/>
+                <a16:creationId xmlns="" xmlns:a16="http://schemas.microsoft.com/office/drawing/2014/main" id="{58106236-F055-FF4E-842B-FCA1AD26C966}"/>
               </a:ext>
             </a:extLst>
           </p:cNvPr>
@@ -4986,7 +4972,7 @@
     </p:spTree>
     <p:extLst>
       <p:ext uri="{BB962C8B-B14F-4D97-AF65-F5344CB8AC3E}">
-        <p14:creationId xmlns:p14="http://schemas.microsoft.com/office/powerpoint/2010/main" xmlns="" val="3792286988"/>
+        <p14:creationId xmlns="" xmlns:p14="http://schemas.microsoft.com/office/powerpoint/2010/main" val="3792286988"/>
       </p:ext>
     </p:extLst>
   </p:cSld>
@@ -5285,7 +5271,7 @@
   <a:extraClrSchemeLst/>
   <a:extLst>
     <a:ext uri="{05A4C25C-085E-4340-85A3-A5531E510DB2}">
-      <thm15:themeFamily xmlns:thm15="http://schemas.microsoft.com/office/thememl/2012/main" xmlns="" name="Office Theme" id="{62F939B6-93AF-4DB8-9C6B-D6C7DFDC589F}" vid="{4A3C46E8-61CC-4603-A589-7422A47A8E4A}"/>
+      <thm15:themeFamily xmlns="" xmlns:thm15="http://schemas.microsoft.com/office/thememl/2012/main" name="Office Theme" id="{62F939B6-93AF-4DB8-9C6B-D6C7DFDC589F}" vid="{4A3C46E8-61CC-4603-A589-7422A47A8E4A}"/>
     </a:ext>
   </a:extLst>
 </a:theme>
